--- a/docs/diagrams/RegisterPatientSequenceDiagram.pptx
+++ b/docs/diagrams/RegisterPatientSequenceDiagram.pptx
@@ -107,6 +107,11 @@
       </a:defRPr>
     </a:lvl9pPr>
   </p:defaultTextStyle>
+  <p:extLst>
+    <p:ext uri="{EFAFB233-063F-42B5-8137-9DF3F51BA10A}">
+      <p15:sldGuideLst xmlns:p15="http://schemas.microsoft.com/office/powerpoint/2012/main"/>
+    </p:ext>
+  </p:extLst>
 </p:presentation>
 </file>
 
@@ -192,7 +197,7 @@
           <a:p>
             <a:fld id="{B55B7AAA-5A60-4BB6-815C-0031F3A45282}" type="datetimeFigureOut">
               <a:rPr lang="en-SG" smtClean="0"/>
-              <a:t>24/10/2018</a:t>
+              <a:t>12/11/2018</a:t>
             </a:fld>
             <a:endParaRPr lang="en-SG"/>
           </a:p>
@@ -693,7 +698,7 @@
           <a:p>
             <a:fld id="{34A3C15C-ECD7-4D2A-A254-6F305FE05631}" type="datetimeFigureOut">
               <a:rPr lang="en-SG" smtClean="0"/>
-              <a:t>24/10/2018</a:t>
+              <a:t>12/11/2018</a:t>
             </a:fld>
             <a:endParaRPr lang="en-SG"/>
           </a:p>
@@ -893,7 +898,7 @@
           <a:p>
             <a:fld id="{34A3C15C-ECD7-4D2A-A254-6F305FE05631}" type="datetimeFigureOut">
               <a:rPr lang="en-SG" smtClean="0"/>
-              <a:t>24/10/2018</a:t>
+              <a:t>12/11/2018</a:t>
             </a:fld>
             <a:endParaRPr lang="en-SG"/>
           </a:p>
@@ -1103,7 +1108,7 @@
           <a:p>
             <a:fld id="{34A3C15C-ECD7-4D2A-A254-6F305FE05631}" type="datetimeFigureOut">
               <a:rPr lang="en-SG" smtClean="0"/>
-              <a:t>24/10/2018</a:t>
+              <a:t>12/11/2018</a:t>
             </a:fld>
             <a:endParaRPr lang="en-SG"/>
           </a:p>
@@ -1303,7 +1308,7 @@
           <a:p>
             <a:fld id="{34A3C15C-ECD7-4D2A-A254-6F305FE05631}" type="datetimeFigureOut">
               <a:rPr lang="en-SG" smtClean="0"/>
-              <a:t>24/10/2018</a:t>
+              <a:t>12/11/2018</a:t>
             </a:fld>
             <a:endParaRPr lang="en-SG"/>
           </a:p>
@@ -1579,7 +1584,7 @@
           <a:p>
             <a:fld id="{34A3C15C-ECD7-4D2A-A254-6F305FE05631}" type="datetimeFigureOut">
               <a:rPr lang="en-SG" smtClean="0"/>
-              <a:t>24/10/2018</a:t>
+              <a:t>12/11/2018</a:t>
             </a:fld>
             <a:endParaRPr lang="en-SG"/>
           </a:p>
@@ -1847,7 +1852,7 @@
           <a:p>
             <a:fld id="{34A3C15C-ECD7-4D2A-A254-6F305FE05631}" type="datetimeFigureOut">
               <a:rPr lang="en-SG" smtClean="0"/>
-              <a:t>24/10/2018</a:t>
+              <a:t>12/11/2018</a:t>
             </a:fld>
             <a:endParaRPr lang="en-SG"/>
           </a:p>
@@ -2262,7 +2267,7 @@
           <a:p>
             <a:fld id="{34A3C15C-ECD7-4D2A-A254-6F305FE05631}" type="datetimeFigureOut">
               <a:rPr lang="en-SG" smtClean="0"/>
-              <a:t>24/10/2018</a:t>
+              <a:t>12/11/2018</a:t>
             </a:fld>
             <a:endParaRPr lang="en-SG"/>
           </a:p>
@@ -2404,7 +2409,7 @@
           <a:p>
             <a:fld id="{34A3C15C-ECD7-4D2A-A254-6F305FE05631}" type="datetimeFigureOut">
               <a:rPr lang="en-SG" smtClean="0"/>
-              <a:t>24/10/2018</a:t>
+              <a:t>12/11/2018</a:t>
             </a:fld>
             <a:endParaRPr lang="en-SG"/>
           </a:p>
@@ -2517,7 +2522,7 @@
           <a:p>
             <a:fld id="{34A3C15C-ECD7-4D2A-A254-6F305FE05631}" type="datetimeFigureOut">
               <a:rPr lang="en-SG" smtClean="0"/>
-              <a:t>24/10/2018</a:t>
+              <a:t>12/11/2018</a:t>
             </a:fld>
             <a:endParaRPr lang="en-SG"/>
           </a:p>
@@ -2830,7 +2835,7 @@
           <a:p>
             <a:fld id="{34A3C15C-ECD7-4D2A-A254-6F305FE05631}" type="datetimeFigureOut">
               <a:rPr lang="en-SG" smtClean="0"/>
-              <a:t>24/10/2018</a:t>
+              <a:t>12/11/2018</a:t>
             </a:fld>
             <a:endParaRPr lang="en-SG"/>
           </a:p>
@@ -3119,7 +3124,7 @@
           <a:p>
             <a:fld id="{34A3C15C-ECD7-4D2A-A254-6F305FE05631}" type="datetimeFigureOut">
               <a:rPr lang="en-SG" smtClean="0"/>
-              <a:t>24/10/2018</a:t>
+              <a:t>12/11/2018</a:t>
             </a:fld>
             <a:endParaRPr lang="en-SG"/>
           </a:p>
@@ -3362,7 +3367,7 @@
           <a:p>
             <a:fld id="{34A3C15C-ECD7-4D2A-A254-6F305FE05631}" type="datetimeFigureOut">
               <a:rPr lang="en-SG" smtClean="0"/>
-              <a:t>24/10/2018</a:t>
+              <a:t>12/11/2018</a:t>
             </a:fld>
             <a:endParaRPr lang="en-SG"/>
           </a:p>
@@ -4139,7 +4144,7 @@
                   <a:schemeClr val="bg1"/>
                 </a:solidFill>
               </a:rPr>
-              <a:t>:Address</a:t>
+              <a:t>:Health</a:t>
             </a:r>
           </a:p>
           <a:p>
@@ -4987,7 +4992,7 @@
                   <a:schemeClr val="bg1"/>
                 </a:solidFill>
               </a:rPr>
-              <a:t>VersionedAddressBook</a:t>
+              <a:t>VersionedHealthBook</a:t>
             </a:r>
             <a:endParaRPr lang="en-SG" sz="1600" dirty="0">
               <a:solidFill>
